--- a/User-Manual-Product Detector.pptx
+++ b/User-Manual-Product Detector.pptx
@@ -108,6 +108,11 @@
       </a:defRPr>
     </a:lvl9pPr>
   </p:defaultTextStyle>
+  <p:extLst>
+    <p:ext uri="{EFAFB233-063F-42B5-8137-9DF3F51BA10A}">
+      <p15:sldGuideLst xmlns:p15="http://schemas.microsoft.com/office/powerpoint/2012/main"/>
+    </p:ext>
+  </p:extLst>
 </p:presentation>
 </file>
 
@@ -153,10 +158,9 @@
           </a:lstStyle>
           <a:p>
             <a:r>
-              <a:rPr lang="en-US" smtClean="0"/>
+              <a:rPr lang="en-US"/>
               <a:t>Click to edit Master title style</a:t>
             </a:r>
-            <a:endParaRPr lang="en-US"/>
           </a:p>
         </p:txBody>
       </p:sp>
@@ -218,10 +222,9 @@
           </a:lstStyle>
           <a:p>
             <a:r>
-              <a:rPr lang="en-US" smtClean="0"/>
+              <a:rPr lang="en-US"/>
               <a:t>Click to edit Master subtitle style</a:t>
             </a:r>
-            <a:endParaRPr lang="en-US"/>
           </a:p>
         </p:txBody>
       </p:sp>
@@ -242,7 +245,7 @@
           <a:p>
             <a:fld id="{CDBD7139-93C2-4047-89F9-5C1D86C0CE47}" type="datetimeFigureOut">
               <a:rPr lang="en-US" smtClean="0"/>
-              <a:t>11/6/2022</a:t>
+              <a:t>4/6/2025</a:t>
             </a:fld>
             <a:endParaRPr lang="en-US"/>
           </a:p>
@@ -336,10 +339,9 @@
           <a:lstStyle/>
           <a:p>
             <a:r>
-              <a:rPr lang="en-US" smtClean="0"/>
+              <a:rPr lang="en-US"/>
               <a:t>Click to edit Master title style</a:t>
             </a:r>
-            <a:endParaRPr lang="en-US"/>
           </a:p>
         </p:txBody>
       </p:sp>
@@ -360,38 +362,37 @@
           <a:p>
             <a:pPr lvl="0"/>
             <a:r>
-              <a:rPr lang="en-US" smtClean="0"/>
+              <a:rPr lang="en-US"/>
               <a:t>Click to edit Master text styles</a:t>
             </a:r>
           </a:p>
           <a:p>
             <a:pPr lvl="1"/>
             <a:r>
-              <a:rPr lang="en-US" smtClean="0"/>
+              <a:rPr lang="en-US"/>
               <a:t>Second level</a:t>
             </a:r>
           </a:p>
           <a:p>
             <a:pPr lvl="2"/>
             <a:r>
-              <a:rPr lang="en-US" smtClean="0"/>
+              <a:rPr lang="en-US"/>
               <a:t>Third level</a:t>
             </a:r>
           </a:p>
           <a:p>
             <a:pPr lvl="3"/>
             <a:r>
-              <a:rPr lang="en-US" smtClean="0"/>
+              <a:rPr lang="en-US"/>
               <a:t>Fourth level</a:t>
             </a:r>
           </a:p>
           <a:p>
             <a:pPr lvl="4"/>
             <a:r>
-              <a:rPr lang="en-US" smtClean="0"/>
+              <a:rPr lang="en-US"/>
               <a:t>Fifth level</a:t>
             </a:r>
-            <a:endParaRPr lang="en-US"/>
           </a:p>
         </p:txBody>
       </p:sp>
@@ -412,7 +413,7 @@
           <a:p>
             <a:fld id="{CDBD7139-93C2-4047-89F9-5C1D86C0CE47}" type="datetimeFigureOut">
               <a:rPr lang="en-US" smtClean="0"/>
-              <a:t>11/6/2022</a:t>
+              <a:t>4/6/2025</a:t>
             </a:fld>
             <a:endParaRPr lang="en-US"/>
           </a:p>
@@ -511,10 +512,9 @@
           <a:lstStyle/>
           <a:p>
             <a:r>
-              <a:rPr lang="en-US" smtClean="0"/>
+              <a:rPr lang="en-US"/>
               <a:t>Click to edit Master title style</a:t>
             </a:r>
-            <a:endParaRPr lang="en-US"/>
           </a:p>
         </p:txBody>
       </p:sp>
@@ -540,38 +540,37 @@
           <a:p>
             <a:pPr lvl="0"/>
             <a:r>
-              <a:rPr lang="en-US" smtClean="0"/>
+              <a:rPr lang="en-US"/>
               <a:t>Click to edit Master text styles</a:t>
             </a:r>
           </a:p>
           <a:p>
             <a:pPr lvl="1"/>
             <a:r>
-              <a:rPr lang="en-US" smtClean="0"/>
+              <a:rPr lang="en-US"/>
               <a:t>Second level</a:t>
             </a:r>
           </a:p>
           <a:p>
             <a:pPr lvl="2"/>
             <a:r>
-              <a:rPr lang="en-US" smtClean="0"/>
+              <a:rPr lang="en-US"/>
               <a:t>Third level</a:t>
             </a:r>
           </a:p>
           <a:p>
             <a:pPr lvl="3"/>
             <a:r>
-              <a:rPr lang="en-US" smtClean="0"/>
+              <a:rPr lang="en-US"/>
               <a:t>Fourth level</a:t>
             </a:r>
           </a:p>
           <a:p>
             <a:pPr lvl="4"/>
             <a:r>
-              <a:rPr lang="en-US" smtClean="0"/>
+              <a:rPr lang="en-US"/>
               <a:t>Fifth level</a:t>
             </a:r>
-            <a:endParaRPr lang="en-US"/>
           </a:p>
         </p:txBody>
       </p:sp>
@@ -592,7 +591,7 @@
           <a:p>
             <a:fld id="{CDBD7139-93C2-4047-89F9-5C1D86C0CE47}" type="datetimeFigureOut">
               <a:rPr lang="en-US" smtClean="0"/>
-              <a:t>11/6/2022</a:t>
+              <a:t>4/6/2025</a:t>
             </a:fld>
             <a:endParaRPr lang="en-US"/>
           </a:p>
@@ -686,10 +685,9 @@
           <a:lstStyle/>
           <a:p>
             <a:r>
-              <a:rPr lang="en-US" smtClean="0"/>
+              <a:rPr lang="en-US"/>
               <a:t>Click to edit Master title style</a:t>
             </a:r>
-            <a:endParaRPr lang="en-US"/>
           </a:p>
         </p:txBody>
       </p:sp>
@@ -710,38 +708,37 @@
           <a:p>
             <a:pPr lvl="0"/>
             <a:r>
-              <a:rPr lang="en-US" smtClean="0"/>
+              <a:rPr lang="en-US"/>
               <a:t>Click to edit Master text styles</a:t>
             </a:r>
           </a:p>
           <a:p>
             <a:pPr lvl="1"/>
             <a:r>
-              <a:rPr lang="en-US" smtClean="0"/>
+              <a:rPr lang="en-US"/>
               <a:t>Second level</a:t>
             </a:r>
           </a:p>
           <a:p>
             <a:pPr lvl="2"/>
             <a:r>
-              <a:rPr lang="en-US" smtClean="0"/>
+              <a:rPr lang="en-US"/>
               <a:t>Third level</a:t>
             </a:r>
           </a:p>
           <a:p>
             <a:pPr lvl="3"/>
             <a:r>
-              <a:rPr lang="en-US" smtClean="0"/>
+              <a:rPr lang="en-US"/>
               <a:t>Fourth level</a:t>
             </a:r>
           </a:p>
           <a:p>
             <a:pPr lvl="4"/>
             <a:r>
-              <a:rPr lang="en-US" smtClean="0"/>
+              <a:rPr lang="en-US"/>
               <a:t>Fifth level</a:t>
             </a:r>
-            <a:endParaRPr lang="en-US"/>
           </a:p>
         </p:txBody>
       </p:sp>
@@ -762,7 +759,7 @@
           <a:p>
             <a:fld id="{CDBD7139-93C2-4047-89F9-5C1D86C0CE47}" type="datetimeFigureOut">
               <a:rPr lang="en-US" smtClean="0"/>
-              <a:t>11/6/2022</a:t>
+              <a:t>4/6/2025</a:t>
             </a:fld>
             <a:endParaRPr lang="en-US"/>
           </a:p>
@@ -865,10 +862,9 @@
           </a:lstStyle>
           <a:p>
             <a:r>
-              <a:rPr lang="en-US" smtClean="0"/>
+              <a:rPr lang="en-US"/>
               <a:t>Click to edit Master title style</a:t>
             </a:r>
-            <a:endParaRPr lang="en-US"/>
           </a:p>
         </p:txBody>
       </p:sp>
@@ -985,7 +981,7 @@
           <a:p>
             <a:pPr lvl="0"/>
             <a:r>
-              <a:rPr lang="en-US" smtClean="0"/>
+              <a:rPr lang="en-US"/>
               <a:t>Click to edit Master text styles</a:t>
             </a:r>
           </a:p>
@@ -1008,7 +1004,7 @@
           <a:p>
             <a:fld id="{CDBD7139-93C2-4047-89F9-5C1D86C0CE47}" type="datetimeFigureOut">
               <a:rPr lang="en-US" smtClean="0"/>
-              <a:t>11/6/2022</a:t>
+              <a:t>4/6/2025</a:t>
             </a:fld>
             <a:endParaRPr lang="en-US"/>
           </a:p>
@@ -1102,10 +1098,9 @@
           <a:lstStyle/>
           <a:p>
             <a:r>
-              <a:rPr lang="en-US" smtClean="0"/>
+              <a:rPr lang="en-US"/>
               <a:t>Click to edit Master title style</a:t>
             </a:r>
-            <a:endParaRPr lang="en-US"/>
           </a:p>
         </p:txBody>
       </p:sp>
@@ -1131,38 +1126,37 @@
           <a:p>
             <a:pPr lvl="0"/>
             <a:r>
-              <a:rPr lang="en-US" smtClean="0"/>
+              <a:rPr lang="en-US"/>
               <a:t>Click to edit Master text styles</a:t>
             </a:r>
           </a:p>
           <a:p>
             <a:pPr lvl="1"/>
             <a:r>
-              <a:rPr lang="en-US" smtClean="0"/>
+              <a:rPr lang="en-US"/>
               <a:t>Second level</a:t>
             </a:r>
           </a:p>
           <a:p>
             <a:pPr lvl="2"/>
             <a:r>
-              <a:rPr lang="en-US" smtClean="0"/>
+              <a:rPr lang="en-US"/>
               <a:t>Third level</a:t>
             </a:r>
           </a:p>
           <a:p>
             <a:pPr lvl="3"/>
             <a:r>
-              <a:rPr lang="en-US" smtClean="0"/>
+              <a:rPr lang="en-US"/>
               <a:t>Fourth level</a:t>
             </a:r>
           </a:p>
           <a:p>
             <a:pPr lvl="4"/>
             <a:r>
-              <a:rPr lang="en-US" smtClean="0"/>
+              <a:rPr lang="en-US"/>
               <a:t>Fifth level</a:t>
             </a:r>
-            <a:endParaRPr lang="en-US"/>
           </a:p>
         </p:txBody>
       </p:sp>
@@ -1188,38 +1182,37 @@
           <a:p>
             <a:pPr lvl="0"/>
             <a:r>
-              <a:rPr lang="en-US" smtClean="0"/>
+              <a:rPr lang="en-US"/>
               <a:t>Click to edit Master text styles</a:t>
             </a:r>
           </a:p>
           <a:p>
             <a:pPr lvl="1"/>
             <a:r>
-              <a:rPr lang="en-US" smtClean="0"/>
+              <a:rPr lang="en-US"/>
               <a:t>Second level</a:t>
             </a:r>
           </a:p>
           <a:p>
             <a:pPr lvl="2"/>
             <a:r>
-              <a:rPr lang="en-US" smtClean="0"/>
+              <a:rPr lang="en-US"/>
               <a:t>Third level</a:t>
             </a:r>
           </a:p>
           <a:p>
             <a:pPr lvl="3"/>
             <a:r>
-              <a:rPr lang="en-US" smtClean="0"/>
+              <a:rPr lang="en-US"/>
               <a:t>Fourth level</a:t>
             </a:r>
           </a:p>
           <a:p>
             <a:pPr lvl="4"/>
             <a:r>
-              <a:rPr lang="en-US" smtClean="0"/>
+              <a:rPr lang="en-US"/>
               <a:t>Fifth level</a:t>
             </a:r>
-            <a:endParaRPr lang="en-US"/>
           </a:p>
         </p:txBody>
       </p:sp>
@@ -1240,7 +1233,7 @@
           <a:p>
             <a:fld id="{CDBD7139-93C2-4047-89F9-5C1D86C0CE47}" type="datetimeFigureOut">
               <a:rPr lang="en-US" smtClean="0"/>
-              <a:t>11/6/2022</a:t>
+              <a:t>4/6/2025</a:t>
             </a:fld>
             <a:endParaRPr lang="en-US"/>
           </a:p>
@@ -1339,10 +1332,9 @@
           <a:lstStyle/>
           <a:p>
             <a:r>
-              <a:rPr lang="en-US" smtClean="0"/>
+              <a:rPr lang="en-US"/>
               <a:t>Click to edit Master title style</a:t>
             </a:r>
-            <a:endParaRPr lang="en-US"/>
           </a:p>
         </p:txBody>
       </p:sp>
@@ -1405,7 +1397,7 @@
           <a:p>
             <a:pPr lvl="0"/>
             <a:r>
-              <a:rPr lang="en-US" smtClean="0"/>
+              <a:rPr lang="en-US"/>
               <a:t>Click to edit Master text styles</a:t>
             </a:r>
           </a:p>
@@ -1433,38 +1425,37 @@
           <a:p>
             <a:pPr lvl="0"/>
             <a:r>
-              <a:rPr lang="en-US" smtClean="0"/>
+              <a:rPr lang="en-US"/>
               <a:t>Click to edit Master text styles</a:t>
             </a:r>
           </a:p>
           <a:p>
             <a:pPr lvl="1"/>
             <a:r>
-              <a:rPr lang="en-US" smtClean="0"/>
+              <a:rPr lang="en-US"/>
               <a:t>Second level</a:t>
             </a:r>
           </a:p>
           <a:p>
             <a:pPr lvl="2"/>
             <a:r>
-              <a:rPr lang="en-US" smtClean="0"/>
+              <a:rPr lang="en-US"/>
               <a:t>Third level</a:t>
             </a:r>
           </a:p>
           <a:p>
             <a:pPr lvl="3"/>
             <a:r>
-              <a:rPr lang="en-US" smtClean="0"/>
+              <a:rPr lang="en-US"/>
               <a:t>Fourth level</a:t>
             </a:r>
           </a:p>
           <a:p>
             <a:pPr lvl="4"/>
             <a:r>
-              <a:rPr lang="en-US" smtClean="0"/>
+              <a:rPr lang="en-US"/>
               <a:t>Fifth level</a:t>
             </a:r>
-            <a:endParaRPr lang="en-US"/>
           </a:p>
         </p:txBody>
       </p:sp>
@@ -1527,7 +1518,7 @@
           <a:p>
             <a:pPr lvl="0"/>
             <a:r>
-              <a:rPr lang="en-US" smtClean="0"/>
+              <a:rPr lang="en-US"/>
               <a:t>Click to edit Master text styles</a:t>
             </a:r>
           </a:p>
@@ -1555,38 +1546,37 @@
           <a:p>
             <a:pPr lvl="0"/>
             <a:r>
-              <a:rPr lang="en-US" smtClean="0"/>
+              <a:rPr lang="en-US"/>
               <a:t>Click to edit Master text styles</a:t>
             </a:r>
           </a:p>
           <a:p>
             <a:pPr lvl="1"/>
             <a:r>
-              <a:rPr lang="en-US" smtClean="0"/>
+              <a:rPr lang="en-US"/>
               <a:t>Second level</a:t>
             </a:r>
           </a:p>
           <a:p>
             <a:pPr lvl="2"/>
             <a:r>
-              <a:rPr lang="en-US" smtClean="0"/>
+              <a:rPr lang="en-US"/>
               <a:t>Third level</a:t>
             </a:r>
           </a:p>
           <a:p>
             <a:pPr lvl="3"/>
             <a:r>
-              <a:rPr lang="en-US" smtClean="0"/>
+              <a:rPr lang="en-US"/>
               <a:t>Fourth level</a:t>
             </a:r>
           </a:p>
           <a:p>
             <a:pPr lvl="4"/>
             <a:r>
-              <a:rPr lang="en-US" smtClean="0"/>
+              <a:rPr lang="en-US"/>
               <a:t>Fifth level</a:t>
             </a:r>
-            <a:endParaRPr lang="en-US"/>
           </a:p>
         </p:txBody>
       </p:sp>
@@ -1607,7 +1597,7 @@
           <a:p>
             <a:fld id="{CDBD7139-93C2-4047-89F9-5C1D86C0CE47}" type="datetimeFigureOut">
               <a:rPr lang="en-US" smtClean="0"/>
-              <a:t>11/6/2022</a:t>
+              <a:t>4/6/2025</a:t>
             </a:fld>
             <a:endParaRPr lang="en-US"/>
           </a:p>
@@ -1701,10 +1691,9 @@
           <a:lstStyle/>
           <a:p>
             <a:r>
-              <a:rPr lang="en-US" smtClean="0"/>
+              <a:rPr lang="en-US"/>
               <a:t>Click to edit Master title style</a:t>
             </a:r>
-            <a:endParaRPr lang="en-US"/>
           </a:p>
         </p:txBody>
       </p:sp>
@@ -1725,7 +1714,7 @@
           <a:p>
             <a:fld id="{CDBD7139-93C2-4047-89F9-5C1D86C0CE47}" type="datetimeFigureOut">
               <a:rPr lang="en-US" smtClean="0"/>
-              <a:t>11/6/2022</a:t>
+              <a:t>4/6/2025</a:t>
             </a:fld>
             <a:endParaRPr lang="en-US"/>
           </a:p>
@@ -1820,7 +1809,7 @@
           <a:p>
             <a:fld id="{CDBD7139-93C2-4047-89F9-5C1D86C0CE47}" type="datetimeFigureOut">
               <a:rPr lang="en-US" smtClean="0"/>
-              <a:t>11/6/2022</a:t>
+              <a:t>4/6/2025</a:t>
             </a:fld>
             <a:endParaRPr lang="en-US"/>
           </a:p>
@@ -1923,10 +1912,9 @@
           </a:lstStyle>
           <a:p>
             <a:r>
-              <a:rPr lang="en-US" smtClean="0"/>
+              <a:rPr lang="en-US"/>
               <a:t>Click to edit Master title style</a:t>
             </a:r>
-            <a:endParaRPr lang="en-US"/>
           </a:p>
         </p:txBody>
       </p:sp>
@@ -1980,38 +1968,37 @@
           <a:p>
             <a:pPr lvl="0"/>
             <a:r>
-              <a:rPr lang="en-US" smtClean="0"/>
+              <a:rPr lang="en-US"/>
               <a:t>Click to edit Master text styles</a:t>
             </a:r>
           </a:p>
           <a:p>
             <a:pPr lvl="1"/>
             <a:r>
-              <a:rPr lang="en-US" smtClean="0"/>
+              <a:rPr lang="en-US"/>
               <a:t>Second level</a:t>
             </a:r>
           </a:p>
           <a:p>
             <a:pPr lvl="2"/>
             <a:r>
-              <a:rPr lang="en-US" smtClean="0"/>
+              <a:rPr lang="en-US"/>
               <a:t>Third level</a:t>
             </a:r>
           </a:p>
           <a:p>
             <a:pPr lvl="3"/>
             <a:r>
-              <a:rPr lang="en-US" smtClean="0"/>
+              <a:rPr lang="en-US"/>
               <a:t>Fourth level</a:t>
             </a:r>
           </a:p>
           <a:p>
             <a:pPr lvl="4"/>
             <a:r>
-              <a:rPr lang="en-US" smtClean="0"/>
+              <a:rPr lang="en-US"/>
               <a:t>Fifth level</a:t>
             </a:r>
-            <a:endParaRPr lang="en-US"/>
           </a:p>
         </p:txBody>
       </p:sp>
@@ -2074,7 +2061,7 @@
           <a:p>
             <a:pPr lvl="0"/>
             <a:r>
-              <a:rPr lang="en-US" smtClean="0"/>
+              <a:rPr lang="en-US"/>
               <a:t>Click to edit Master text styles</a:t>
             </a:r>
           </a:p>
@@ -2097,7 +2084,7 @@
           <a:p>
             <a:fld id="{CDBD7139-93C2-4047-89F9-5C1D86C0CE47}" type="datetimeFigureOut">
               <a:rPr lang="en-US" smtClean="0"/>
-              <a:t>11/6/2022</a:t>
+              <a:t>4/6/2025</a:t>
             </a:fld>
             <a:endParaRPr lang="en-US"/>
           </a:p>
@@ -2200,10 +2187,9 @@
           </a:lstStyle>
           <a:p>
             <a:r>
-              <a:rPr lang="en-US" smtClean="0"/>
+              <a:rPr lang="en-US"/>
               <a:t>Click to edit Master title style</a:t>
             </a:r>
-            <a:endParaRPr lang="en-US"/>
           </a:p>
         </p:txBody>
       </p:sp>
@@ -2327,7 +2313,7 @@
           <a:p>
             <a:pPr lvl="0"/>
             <a:r>
-              <a:rPr lang="en-US" smtClean="0"/>
+              <a:rPr lang="en-US"/>
               <a:t>Click to edit Master text styles</a:t>
             </a:r>
           </a:p>
@@ -2350,7 +2336,7 @@
           <a:p>
             <a:fld id="{CDBD7139-93C2-4047-89F9-5C1D86C0CE47}" type="datetimeFigureOut">
               <a:rPr lang="en-US" smtClean="0"/>
-              <a:t>11/6/2022</a:t>
+              <a:t>4/6/2025</a:t>
             </a:fld>
             <a:endParaRPr lang="en-US"/>
           </a:p>
@@ -2459,10 +2445,9 @@
           <a:lstStyle/>
           <a:p>
             <a:r>
-              <a:rPr lang="en-US" smtClean="0"/>
+              <a:rPr lang="en-US"/>
               <a:t>Click to edit Master title style</a:t>
             </a:r>
-            <a:endParaRPr lang="en-US"/>
           </a:p>
         </p:txBody>
       </p:sp>
@@ -2493,38 +2478,37 @@
           <a:p>
             <a:pPr lvl="0"/>
             <a:r>
-              <a:rPr lang="en-US" smtClean="0"/>
+              <a:rPr lang="en-US"/>
               <a:t>Click to edit Master text styles</a:t>
             </a:r>
           </a:p>
           <a:p>
             <a:pPr lvl="1"/>
             <a:r>
-              <a:rPr lang="en-US" smtClean="0"/>
+              <a:rPr lang="en-US"/>
               <a:t>Second level</a:t>
             </a:r>
           </a:p>
           <a:p>
             <a:pPr lvl="2"/>
             <a:r>
-              <a:rPr lang="en-US" smtClean="0"/>
+              <a:rPr lang="en-US"/>
               <a:t>Third level</a:t>
             </a:r>
           </a:p>
           <a:p>
             <a:pPr lvl="3"/>
             <a:r>
-              <a:rPr lang="en-US" smtClean="0"/>
+              <a:rPr lang="en-US"/>
               <a:t>Fourth level</a:t>
             </a:r>
           </a:p>
           <a:p>
             <a:pPr lvl="4"/>
             <a:r>
-              <a:rPr lang="en-US" smtClean="0"/>
+              <a:rPr lang="en-US"/>
               <a:t>Fifth level</a:t>
             </a:r>
-            <a:endParaRPr lang="en-US"/>
           </a:p>
         </p:txBody>
       </p:sp>
@@ -2563,7 +2547,7 @@
           <a:p>
             <a:fld id="{CDBD7139-93C2-4047-89F9-5C1D86C0CE47}" type="datetimeFigureOut">
               <a:rPr lang="en-US" smtClean="0"/>
-              <a:t>11/6/2022</a:t>
+              <a:t>4/6/2025</a:t>
             </a:fld>
             <a:endParaRPr lang="en-US"/>
           </a:p>
@@ -2984,7 +2968,7 @@
           <a:lstStyle/>
           <a:p>
             <a:r>
-              <a:rPr lang="en-US" dirty="0" smtClean="0">
+              <a:rPr lang="en-US" dirty="0">
                 <a:solidFill>
                   <a:schemeClr val="accent2">
                     <a:lumMod val="75000"/>
@@ -2993,13 +2977,6 @@
               </a:rPr>
               <a:t>Product Detector</a:t>
             </a:r>
-            <a:endParaRPr lang="en-US" dirty="0">
-              <a:solidFill>
-                <a:schemeClr val="accent2">
-                  <a:lumMod val="75000"/>
-                </a:schemeClr>
-              </a:solidFill>
-            </a:endParaRPr>
           </a:p>
         </p:txBody>
       </p:sp>
@@ -3019,10 +2996,9 @@
           <a:lstStyle/>
           <a:p>
             <a:r>
-              <a:rPr lang="en-US" dirty="0" smtClean="0"/>
+              <a:rPr lang="en-US" dirty="0"/>
               <a:t>Find genuine/fake product by scanning QR code on the bottle scratch label</a:t>
             </a:r>
-            <a:endParaRPr lang="en-US" dirty="0"/>
           </a:p>
         </p:txBody>
       </p:sp>
@@ -3072,7 +3048,7 @@
           <a:lstStyle/>
           <a:p>
             <a:r>
-              <a:rPr lang="en-US" dirty="0" smtClean="0">
+              <a:rPr lang="en-US" dirty="0">
                 <a:solidFill>
                   <a:schemeClr val="accent2">
                     <a:lumMod val="75000"/>
@@ -3098,55 +3074,73 @@
         <p:spPr>
           <a:xfrm>
             <a:off x="838200" y="1825625"/>
-            <a:ext cx="11353800" cy="4832752"/>
+            <a:ext cx="10867891" cy="4832752"/>
           </a:xfrm>
         </p:spPr>
         <p:txBody>
           <a:bodyPr>
-            <a:normAutofit/>
+            <a:normAutofit lnSpcReduction="10000"/>
           </a:bodyPr>
           <a:lstStyle/>
           <a:p>
             <a:r>
-              <a:rPr lang="en-US" dirty="0" smtClean="0"/>
-              <a:t>After scratch label on the bottle and scan with QR code scanner in your mobile. If do not have QR code scanner then go to “Google Play Store” type QR code scanner and install “QR Code Scanner”.</a:t>
-            </a:r>
-          </a:p>
-          <a:p>
-            <a:endParaRPr lang="en-US" dirty="0" smtClean="0"/>
-          </a:p>
-          <a:p>
-            <a:endParaRPr lang="en-US" dirty="0" smtClean="0"/>
+              <a:rPr lang="en-US" dirty="0"/>
+              <a:t>Scratch the label on the bottle and scan the QR code using a </a:t>
+            </a:r>
+          </a:p>
+          <a:p>
+            <a:pPr marL="0" indent="0">
+              <a:buNone/>
+            </a:pPr>
+            <a:r>
+              <a:rPr lang="en-US" dirty="0"/>
+              <a:t>QR code scanner on your mobile. If you don’t have a scanner, </a:t>
+            </a:r>
+          </a:p>
+          <a:p>
+            <a:pPr marL="0" indent="0">
+              <a:buNone/>
+            </a:pPr>
+            <a:r>
+              <a:rPr lang="en-US" dirty="0"/>
+              <a:t>search for 'QR Code Scanner' on the Google Play Store and </a:t>
+            </a:r>
+          </a:p>
+          <a:p>
+            <a:pPr marL="0" indent="0">
+              <a:buNone/>
+            </a:pPr>
+            <a:r>
+              <a:rPr lang="en-US" dirty="0"/>
+              <a:t>install it.</a:t>
+            </a:r>
           </a:p>
           <a:p>
             <a:endParaRPr lang="en-US" dirty="0"/>
           </a:p>
           <a:p>
-            <a:endParaRPr lang="en-US" dirty="0" smtClean="0"/>
-          </a:p>
-          <a:p>
-            <a:endParaRPr lang="en-US" dirty="0" smtClean="0"/>
-          </a:p>
-          <a:p>
             <a:endParaRPr lang="en-US" dirty="0"/>
           </a:p>
           <a:p>
-            <a:r>
-              <a:rPr lang="en-US" dirty="0" smtClean="0"/>
-              <a:t>Scan then open. If it’s genuine product then display below page.</a:t>
-            </a:r>
-          </a:p>
-          <a:p>
             <a:endParaRPr lang="en-US" dirty="0"/>
           </a:p>
           <a:p>
-            <a:endParaRPr lang="en-US" dirty="0" smtClean="0"/>
-          </a:p>
-          <a:p>
             <a:endParaRPr lang="en-US" dirty="0"/>
           </a:p>
           <a:p>
-            <a:endParaRPr lang="en-US" dirty="0" smtClean="0"/>
+            <a:r>
+              <a:rPr lang="en-US" dirty="0"/>
+              <a:t>Scan and open the link. If the product is genuine, the following page will be displayed</a:t>
+            </a:r>
+          </a:p>
+          <a:p>
+            <a:endParaRPr lang="en-US" dirty="0"/>
+          </a:p>
+          <a:p>
+            <a:endParaRPr lang="en-US" dirty="0"/>
+          </a:p>
+          <a:p>
+            <a:endParaRPr lang="en-US" dirty="0"/>
           </a:p>
           <a:p>
             <a:pPr marL="0" indent="0">
@@ -3158,7 +3152,7 @@
       </p:sp>
       <p:pic>
         <p:nvPicPr>
-          <p:cNvPr id="4" name="Picture 3"/>
+          <p:cNvPr id="5" name="Picture 4"/>
           <p:cNvPicPr>
             <a:picLocks noChangeAspect="1"/>
           </p:cNvPicPr>
@@ -3172,8 +3166,8 @@
         </p:blipFill>
         <p:spPr>
           <a:xfrm>
-            <a:off x="4247479" y="2960688"/>
-            <a:ext cx="2097915" cy="2081212"/>
+            <a:off x="9850617" y="1888378"/>
+            <a:ext cx="1951418" cy="3624439"/>
           </a:xfrm>
           <a:prstGeom prst="rect">
             <a:avLst/>
@@ -3182,7 +3176,13 @@
       </p:pic>
       <p:pic>
         <p:nvPicPr>
-          <p:cNvPr id="5" name="Picture 4"/>
+          <p:cNvPr id="7" name="Picture 6">
+            <a:extLst>
+              <a:ext uri="{FF2B5EF4-FFF2-40B4-BE49-F238E27FC236}">
+                <a16:creationId xmlns:a16="http://schemas.microsoft.com/office/drawing/2014/main" id="{1F9A8992-F4F4-4B2F-9813-5C65ADCC43FB}"/>
+              </a:ext>
+            </a:extLst>
+          </p:cNvPr>
           <p:cNvPicPr>
             <a:picLocks noChangeAspect="1"/>
           </p:cNvPicPr>
@@ -3196,8 +3196,8 @@
         </p:blipFill>
         <p:spPr>
           <a:xfrm>
-            <a:off x="9754673" y="2608936"/>
-            <a:ext cx="1951418" cy="3624439"/>
+            <a:off x="2876670" y="3184870"/>
+            <a:ext cx="1952898" cy="1952898"/>
           </a:xfrm>
           <a:prstGeom prst="rect">
             <a:avLst/>
@@ -3250,7 +3250,7 @@
           <a:lstStyle/>
           <a:p>
             <a:r>
-              <a:rPr lang="en-US" dirty="0" smtClean="0">
+              <a:rPr lang="en-US" dirty="0">
                 <a:solidFill>
                   <a:schemeClr val="accent2">
                     <a:lumMod val="75000"/>
@@ -3259,13 +3259,6 @@
               </a:rPr>
               <a:t>Genuine Product Screen</a:t>
             </a:r>
-            <a:endParaRPr lang="en-US" dirty="0">
-              <a:solidFill>
-                <a:schemeClr val="accent2">
-                  <a:lumMod val="75000"/>
-                </a:schemeClr>
-              </a:solidFill>
-            </a:endParaRPr>
           </a:p>
         </p:txBody>
       </p:sp>
@@ -3348,7 +3341,7 @@
           <a:lstStyle/>
           <a:p>
             <a:r>
-              <a:rPr lang="en-US" dirty="0" smtClean="0">
+              <a:rPr lang="en-US" dirty="0">
                 <a:solidFill>
                   <a:schemeClr val="accent2">
                     <a:lumMod val="75000"/>
@@ -3382,31 +3375,58 @@
           <a:lstStyle/>
           <a:p>
             <a:r>
-              <a:rPr lang="en-US" dirty="0" smtClean="0"/>
-              <a:t>After scratch label on the bottle and scan with QR code scanner in your mobile. If do not have QR code scanner then go to “Google Play Store” type QR code scanner and install “QR Code Scanner”.</a:t>
+              <a:rPr lang="en-US" dirty="0"/>
+              <a:t>Scratch the label on the bottle and scan the QR code using a </a:t>
+            </a:r>
+          </a:p>
+          <a:p>
+            <a:pPr marL="0" indent="0">
+              <a:buNone/>
+            </a:pPr>
+            <a:r>
+              <a:rPr lang="en-US" dirty="0"/>
+              <a:t>QR code scanner on your mobile. If you don’t have a scanner, </a:t>
+            </a:r>
+          </a:p>
+          <a:p>
+            <a:pPr marL="0" indent="0">
+              <a:buNone/>
+            </a:pPr>
+            <a:r>
+              <a:rPr lang="en-US" dirty="0"/>
+              <a:t>search for 'QR Code Scanner' on the Google Play Store and </a:t>
+            </a:r>
+          </a:p>
+          <a:p>
+            <a:pPr marL="0" indent="0">
+              <a:buNone/>
+            </a:pPr>
+            <a:r>
+              <a:rPr lang="en-US" dirty="0"/>
+              <a:t>install it.</a:t>
             </a:r>
           </a:p>
           <a:p>
             <a:endParaRPr lang="en-US" dirty="0"/>
           </a:p>
           <a:p>
-            <a:endParaRPr lang="en-US" dirty="0" smtClean="0"/>
-          </a:p>
-          <a:p>
+            <a:pPr marL="0" indent="0">
+              <a:buNone/>
+            </a:pPr>
             <a:endParaRPr lang="en-US" dirty="0"/>
           </a:p>
           <a:p>
             <a:pPr marL="0" indent="0">
               <a:buNone/>
             </a:pPr>
-            <a:endParaRPr lang="en-US" dirty="0" smtClean="0"/>
-          </a:p>
-          <a:p>
             <a:endParaRPr lang="en-US" dirty="0"/>
           </a:p>
           <a:p>
-            <a:r>
-              <a:rPr lang="en-US" dirty="0" smtClean="0"/>
+            <a:endParaRPr lang="en-US" dirty="0"/>
+          </a:p>
+          <a:p>
+            <a:r>
+              <a:rPr lang="en-US" dirty="0"/>
               <a:t>Scan then open. If it’s fake product then display below page.</a:t>
             </a:r>
           </a:p>
@@ -3417,7 +3437,7 @@
       </p:sp>
       <p:pic>
         <p:nvPicPr>
-          <p:cNvPr id="4" name="Picture 3"/>
+          <p:cNvPr id="6" name="Picture 5"/>
           <p:cNvPicPr>
             <a:picLocks noChangeAspect="1"/>
           </p:cNvPicPr>
@@ -3431,8 +3451,8 @@
         </p:blipFill>
         <p:spPr>
           <a:xfrm>
-            <a:off x="5021720" y="2502996"/>
-            <a:ext cx="2148559" cy="2155524"/>
+            <a:off x="9794114" y="1081826"/>
+            <a:ext cx="2286268" cy="4529126"/>
           </a:xfrm>
           <a:prstGeom prst="rect">
             <a:avLst/>
@@ -3441,7 +3461,13 @@
       </p:pic>
       <p:pic>
         <p:nvPicPr>
-          <p:cNvPr id="6" name="Picture 5"/>
+          <p:cNvPr id="7" name="Picture 6">
+            <a:extLst>
+              <a:ext uri="{FF2B5EF4-FFF2-40B4-BE49-F238E27FC236}">
+                <a16:creationId xmlns:a16="http://schemas.microsoft.com/office/drawing/2014/main" id="{E015F84F-2DDD-4502-9FFD-56AD2585607B}"/>
+              </a:ext>
+            </a:extLst>
+          </p:cNvPr>
           <p:cNvPicPr>
             <a:picLocks noChangeAspect="1"/>
           </p:cNvPicPr>
@@ -3455,8 +3481,8 @@
         </p:blipFill>
         <p:spPr>
           <a:xfrm>
-            <a:off x="9794114" y="2103493"/>
-            <a:ext cx="2286268" cy="4529126"/>
+            <a:off x="2549197" y="2689273"/>
+            <a:ext cx="2019582" cy="1981477"/>
           </a:xfrm>
           <a:prstGeom prst="rect">
             <a:avLst/>
@@ -3509,7 +3535,7 @@
           <a:lstStyle/>
           <a:p>
             <a:r>
-              <a:rPr lang="en-US" dirty="0" smtClean="0">
+              <a:rPr lang="en-US" dirty="0">
                 <a:solidFill>
                   <a:schemeClr val="accent2">
                     <a:lumMod val="75000"/>
@@ -3518,13 +3544,6 @@
               </a:rPr>
               <a:t>Fake Product Screen</a:t>
             </a:r>
-            <a:endParaRPr lang="en-US" dirty="0">
-              <a:solidFill>
-                <a:schemeClr val="accent2">
-                  <a:lumMod val="75000"/>
-                </a:schemeClr>
-              </a:solidFill>
-            </a:endParaRPr>
           </a:p>
         </p:txBody>
       </p:sp>
